--- a/參考資料/期末.pptx
+++ b/參考資料/期末.pptx
@@ -6091,7 +6091,7 @@
           <p:cNvPr id="2" name="標題 1">
             <a:extLst>
               <a:ext uri="{FF2B5EF4-FFF2-40B4-BE49-F238E27FC236}">
-                <a16:creationId xmlns:a16="http://schemas.microsoft.com/office/drawing/2014/main" id="{DC61E793-4DF3-4F6F-93DD-C3D03B9EFAC9}"/>
+                <a16:creationId xmlns:a16="http://schemas.microsoft.com/office/drawing/2014/main" xmlns="" id="{DC61E793-4DF3-4F6F-93DD-C3D03B9EFAC9}"/>
               </a:ext>
             </a:extLst>
           </p:cNvPr>
@@ -6120,7 +6120,7 @@
           <p:cNvPr id="3" name="內容版面配置區 2">
             <a:extLst>
               <a:ext uri="{FF2B5EF4-FFF2-40B4-BE49-F238E27FC236}">
-                <a16:creationId xmlns:a16="http://schemas.microsoft.com/office/drawing/2014/main" id="{86E9C1D5-266D-4F25-A7A5-847B937FA700}"/>
+                <a16:creationId xmlns:a16="http://schemas.microsoft.com/office/drawing/2014/main" xmlns="" id="{86E9C1D5-266D-4F25-A7A5-847B937FA700}"/>
               </a:ext>
             </a:extLst>
           </p:cNvPr>
@@ -6151,12 +6151,20 @@
           <a:p>
             <a:pPr lvl="1"/>
             <a:r>
+              <a:rPr lang="zh-TW" altLang="en-US" dirty="0" smtClean="0"/>
+              <a:t>整合</a:t>
+            </a:r>
+            <a:r>
+              <a:rPr lang="en-US" altLang="zh-TW" dirty="0" smtClean="0"/>
+              <a:t>Google </a:t>
+            </a:r>
+            <a:r>
               <a:rPr lang="en-US" altLang="zh-TW" dirty="0"/>
-              <a:t>Google Map </a:t>
-            </a:r>
-            <a:r>
-              <a:rPr lang="zh-TW" altLang="en-US" dirty="0"/>
-              <a:t>整合。</a:t>
+              <a:t>Map </a:t>
+            </a:r>
+            <a:r>
+              <a:rPr lang="zh-TW" altLang="en-US" dirty="0" smtClean="0"/>
+              <a:t>進行時間估算。</a:t>
             </a:r>
             <a:endParaRPr lang="en-US" altLang="zh-TW" dirty="0"/>
           </a:p>
@@ -6224,7 +6232,27 @@
             </a:r>
             <a:r>
               <a:rPr lang="zh-TW" altLang="en-US" dirty="0"/>
-              <a:t>有許多按鈕，大部分以觸控操作。</a:t>
+              <a:t>有</a:t>
+            </a:r>
+            <a:r>
+              <a:rPr lang="zh-TW" altLang="en-US"/>
+              <a:t>許多</a:t>
+            </a:r>
+            <a:r>
+              <a:rPr lang="zh-TW" altLang="en-US" smtClean="0"/>
+              <a:t>按鈕，簡潔的設計，以</a:t>
+            </a:r>
+            <a:r>
+              <a:rPr lang="zh-TW" altLang="en-US" dirty="0"/>
+              <a:t>觸</a:t>
+            </a:r>
+            <a:r>
+              <a:rPr lang="zh-TW" altLang="en-US"/>
+              <a:t>控</a:t>
+            </a:r>
+            <a:r>
+              <a:rPr lang="zh-TW" altLang="en-US" smtClean="0"/>
+              <a:t>操作為主。</a:t>
             </a:r>
             <a:endParaRPr lang="en-US" altLang="zh-TW" dirty="0"/>
           </a:p>
@@ -6305,7 +6333,7 @@
     </a:clrScheme>
     <a:fontScheme name="離子">
       <a:majorFont>
-        <a:latin typeface="Century Gothic" panose="020B0502020202020204"/>
+        <a:latin typeface="Century Gothic"/>
         <a:ea typeface=""/>
         <a:cs typeface=""/>
         <a:font script="Jpan" typeface="メイリオ"/>
@@ -6340,7 +6368,7 @@
         <a:font script="Geor" typeface="Sylfaen"/>
       </a:majorFont>
       <a:minorFont>
-        <a:latin typeface="Century Gothic" panose="020B0502020202020204"/>
+        <a:latin typeface="Century Gothic"/>
         <a:ea typeface=""/>
         <a:cs typeface=""/>
         <a:font script="Jpan" typeface="メイリオ"/>
@@ -6522,7 +6550,7 @@
   <a:extraClrSchemeLst/>
   <a:extLst>
     <a:ext uri="{05A4C25C-085E-4340-85A3-A5531E510DB2}">
-      <thm15:themeFamily xmlns:thm15="http://schemas.microsoft.com/office/thememl/2012/main" name="Ion" id="{B8441ADB-2E43-4AF7-B97A-BD870242C6A8}" vid="{292E63A9-BB86-4E3D-B92A-7223C6510D2E}"/>
+      <thm15:themeFamily xmlns:thm15="http://schemas.microsoft.com/office/thememl/2012/main" xmlns="" name="Ion" id="{B8441ADB-2E43-4AF7-B97A-BD870242C6A8}" vid="{292E63A9-BB86-4E3D-B92A-7223C6510D2E}"/>
     </a:ext>
   </a:extLst>
 </a:theme>
